--- a/ДП презентація.pptx
+++ b/ДП презентація.pptx
@@ -25148,7 +25148,7 @@
         </p:nvSpPr>
         <p:spPr>
           <a:xfrm>
-            <a:off x="3091023" y="0"/>
+            <a:off x="3273903" y="-44711"/>
             <a:ext cx="9452083" cy="1027997"/>
           </a:xfrm>
         </p:spPr>
@@ -25157,13 +25157,6 @@
           <a:lstStyle/>
           <a:p>
             <a:pPr rtl="0"/>
-            <a:r>
-              <a:rPr lang="ru-RU" sz="3200" dirty="0" smtClean="0">
-                <a:latin typeface="Times New Roman" panose="02020603050405020304" pitchFamily="18" charset="0"/>
-                <a:cs typeface="Times New Roman" panose="02020603050405020304" pitchFamily="18" charset="0"/>
-              </a:rPr>
-              <a:t>«</a:t>
-            </a:r>
             <a:r>
               <a:rPr lang="ru-RU" sz="3200" dirty="0" err="1" smtClean="0">
                 <a:latin typeface="Times New Roman" panose="02020603050405020304" pitchFamily="18" charset="0"/>
@@ -25213,13 +25206,6 @@
               </a:rPr>
               <a:t>коледж</a:t>
             </a:r>
-            <a:r>
-              <a:rPr lang="ru-RU" sz="3200" dirty="0" smtClean="0">
-                <a:latin typeface="Times New Roman" panose="02020603050405020304" pitchFamily="18" charset="0"/>
-                <a:cs typeface="Times New Roman" panose="02020603050405020304" pitchFamily="18" charset="0"/>
-              </a:rPr>
-              <a:t>»</a:t>
-            </a:r>
             <a:endParaRPr lang="ru-RU" sz="3200" dirty="0">
               <a:latin typeface="Times New Roman" panose="02020603050405020304" pitchFamily="18" charset="0"/>
               <a:cs typeface="Times New Roman" panose="02020603050405020304" pitchFamily="18" charset="0"/>
@@ -25245,7 +25231,7 @@
         </p:nvSpPr>
         <p:spPr>
           <a:xfrm>
-            <a:off x="4027578" y="1146117"/>
+            <a:off x="4088011" y="1146117"/>
             <a:ext cx="8299235" cy="868680"/>
           </a:xfrm>
         </p:spPr>
@@ -25262,10 +25248,6 @@
               </a:rPr>
               <a:t>Циклова комісія інженерії програмного забезпечення</a:t>
             </a:r>
-            <a:endParaRPr lang="ru-RU" dirty="0">
-              <a:latin typeface="Times New Roman" panose="02020603050405020304" pitchFamily="18" charset="0"/>
-              <a:cs typeface="Times New Roman" panose="02020603050405020304" pitchFamily="18" charset="0"/>
-            </a:endParaRPr>
           </a:p>
         </p:txBody>
       </p:sp>
@@ -25345,13 +25327,6 @@
               </a:rPr>
               <a:t>Інтернет-магазин зброї</a:t>
             </a:r>
-            <a:endParaRPr lang="uk-UA" sz="2800" dirty="0">
-              <a:solidFill>
-                <a:schemeClr val="bg1"/>
-              </a:solidFill>
-              <a:latin typeface="Times New Roman" panose="02020603050405020304" pitchFamily="18" charset="0"/>
-              <a:cs typeface="Times New Roman" panose="02020603050405020304" pitchFamily="18" charset="0"/>
-            </a:endParaRPr>
           </a:p>
         </p:txBody>
       </p:sp>
@@ -25363,7 +25338,7 @@
         </p:nvSpPr>
         <p:spPr>
           <a:xfrm>
-            <a:off x="8177196" y="4629081"/>
+            <a:off x="7625072" y="4753450"/>
             <a:ext cx="6096000" cy="1015663"/>
           </a:xfrm>
           <a:prstGeom prst="rect">
@@ -25396,8 +25371,25 @@
                 <a:latin typeface="Times New Roman" panose="02020603050405020304" pitchFamily="18" charset="0"/>
                 <a:cs typeface="Times New Roman" panose="02020603050405020304" pitchFamily="18" charset="0"/>
               </a:rPr>
-              <a:t>ГЛОВАЦЬКИЙ О.О.</a:t>
+              <a:t>ГЛОВАЦЬКИЙ </a:t>
             </a:r>
+            <a:r>
+              <a:rPr lang="uk-UA" sz="2000" dirty="0" smtClean="0">
+                <a:solidFill>
+                  <a:schemeClr val="bg1"/>
+                </a:solidFill>
+                <a:latin typeface="Times New Roman" panose="02020603050405020304" pitchFamily="18" charset="0"/>
+                <a:cs typeface="Times New Roman" panose="02020603050405020304" pitchFamily="18" charset="0"/>
+              </a:rPr>
+              <a:t>ОЛЕКСІЙ</a:t>
+            </a:r>
+            <a:endParaRPr lang="uk-UA" sz="2000" dirty="0">
+              <a:solidFill>
+                <a:schemeClr val="bg1"/>
+              </a:solidFill>
+              <a:latin typeface="Times New Roman" panose="02020603050405020304" pitchFamily="18" charset="0"/>
+              <a:cs typeface="Times New Roman" panose="02020603050405020304" pitchFamily="18" charset="0"/>
+            </a:endParaRPr>
           </a:p>
           <a:p>
             <a:r>
@@ -25408,7 +25400,17 @@
                 <a:latin typeface="Times New Roman" panose="02020603050405020304" pitchFamily="18" charset="0"/>
                 <a:cs typeface="Times New Roman" panose="02020603050405020304" pitchFamily="18" charset="0"/>
               </a:rPr>
-              <a:t>КЕРІВНИК: БАСОВСЬКА А.І.</a:t>
+              <a:t>КЕРІВНИК: БАСОВСЬКА </a:t>
+            </a:r>
+            <a:r>
+              <a:rPr lang="uk-UA" sz="2000" dirty="0" smtClean="0">
+                <a:solidFill>
+                  <a:schemeClr val="bg1"/>
+                </a:solidFill>
+                <a:latin typeface="Times New Roman" panose="02020603050405020304" pitchFamily="18" charset="0"/>
+                <a:cs typeface="Times New Roman" panose="02020603050405020304" pitchFamily="18" charset="0"/>
+              </a:rPr>
+              <a:t>АНТОНІНА</a:t>
             </a:r>
             <a:endParaRPr lang="uk-UA" sz="2000" dirty="0">
               <a:solidFill>
@@ -25451,13 +25453,6 @@
               </a:rPr>
               <a:t>ЧЕРНІВЦІ - 2023</a:t>
             </a:r>
-            <a:endParaRPr lang="uk-UA" dirty="0">
-              <a:solidFill>
-                <a:schemeClr val="bg1"/>
-              </a:solidFill>
-              <a:latin typeface="Times New Roman" panose="02020603050405020304" pitchFamily="18" charset="0"/>
-              <a:cs typeface="Times New Roman" panose="02020603050405020304" pitchFamily="18" charset="0"/>
-            </a:endParaRPr>
           </a:p>
         </p:txBody>
       </p:sp>
@@ -28387,15 +28382,6 @@
 </file>
 
 <file path=customXml/item2.xml><?xml version="1.0" encoding="utf-8"?>
-<?mso-contentType ?>
-<FormTemplates xmlns="http://schemas.microsoft.com/sharepoint/v3/contenttype/forms">
-  <Display>DocumentLibraryForm</Display>
-  <Edit>DocumentLibraryForm</Edit>
-  <New>DocumentLibraryForm</New>
-</FormTemplates>
-</file>
-
-<file path=customXml/item3.xml><?xml version="1.0" encoding="utf-8"?>
 <ct:contentTypeSchema xmlns:ct="http://schemas.microsoft.com/office/2006/metadata/contentType" xmlns:ma="http://schemas.microsoft.com/office/2006/metadata/properties/metaAttributes" ct:_="" ma:_="" ma:contentTypeName="Document" ma:contentTypeID="0x010100DEEA25CC0A0AC24199CDC46C25B8B0BC" ma:contentTypeVersion="10" ma:contentTypeDescription="Create a new document." ma:contentTypeScope="" ma:versionID="e3b47856d4cf355c0dacb39e1084d14f">
   <xsd:schema xmlns:xsd="http://www.w3.org/2001/XMLSchema" xmlns:xs="http://www.w3.org/2001/XMLSchema" xmlns:p="http://schemas.microsoft.com/office/2006/metadata/properties" xmlns:ns1="http://schemas.microsoft.com/sharepoint/v3" xmlns:ns2="6dc4bcd6-49db-4c07-9060-8acfc67cef9f" xmlns:ns3="fb0879af-3eba-417a-a55a-ffe6dcd6ca77" targetNamespace="http://schemas.microsoft.com/office/2006/metadata/properties" ma:root="true" ma:fieldsID="a845a615265fdb1f7b12cc65ac20ecbd" ns1:_="" ns2:_="" ns3:_="">
     <xsd:import namespace="http://schemas.microsoft.com/sharepoint/v3"/>
@@ -28603,18 +28589,27 @@
 </ct:contentTypeSchema>
 </file>
 
+<file path=customXml/item3.xml><?xml version="1.0" encoding="utf-8"?>
+<?mso-contentType ?>
+<FormTemplates xmlns="http://schemas.microsoft.com/sharepoint/v3/contenttype/forms">
+  <Display>DocumentLibraryForm</Display>
+  <Edit>DocumentLibraryForm</Edit>
+  <New>DocumentLibraryForm</New>
+</FormTemplates>
+</file>
+
 <file path=customXml/itemProps1.xml><?xml version="1.0" encoding="utf-8"?>
 <ds:datastoreItem xmlns:ds="http://schemas.openxmlformats.org/officeDocument/2006/customXml" ds:itemID="{F8992231-163D-4428-A2B8-DA1FE0274129}">
   <ds:schemaRefs>
-    <ds:schemaRef ds:uri="fb0879af-3eba-417a-a55a-ffe6dcd6ca77"/>
+    <ds:schemaRef ds:uri="http://schemas.microsoft.com/office/infopath/2007/PartnerControls"/>
+    <ds:schemaRef ds:uri="http://schemas.microsoft.com/sharepoint/v3"/>
+    <ds:schemaRef ds:uri="http://purl.org/dc/dcmitype/"/>
     <ds:schemaRef ds:uri="http://schemas.openxmlformats.org/package/2006/metadata/core-properties"/>
     <ds:schemaRef ds:uri="http://www.w3.org/XML/1998/namespace"/>
-    <ds:schemaRef ds:uri="http://schemas.microsoft.com/office/infopath/2007/PartnerControls"/>
+    <ds:schemaRef ds:uri="http://schemas.microsoft.com/office/2006/documentManagement/types"/>
+    <ds:schemaRef ds:uri="fb0879af-3eba-417a-a55a-ffe6dcd6ca77"/>
     <ds:schemaRef ds:uri="http://purl.org/dc/elements/1.1/"/>
-    <ds:schemaRef ds:uri="http://purl.org/dc/dcmitype/"/>
     <ds:schemaRef ds:uri="6dc4bcd6-49db-4c07-9060-8acfc67cef9f"/>
-    <ds:schemaRef ds:uri="http://schemas.microsoft.com/office/2006/documentManagement/types"/>
-    <ds:schemaRef ds:uri="http://schemas.microsoft.com/sharepoint/v3"/>
     <ds:schemaRef ds:uri="http://schemas.microsoft.com/office/2006/metadata/properties"/>
     <ds:schemaRef ds:uri="http://purl.org/dc/terms/"/>
   </ds:schemaRefs>
@@ -28622,14 +28617,6 @@
 </file>
 
 <file path=customXml/itemProps2.xml><?xml version="1.0" encoding="utf-8"?>
-<ds:datastoreItem xmlns:ds="http://schemas.openxmlformats.org/officeDocument/2006/customXml" ds:itemID="{8A95DE24-D6C3-4A00-9085-D9594C193AE1}">
-  <ds:schemaRefs>
-    <ds:schemaRef ds:uri="http://schemas.microsoft.com/sharepoint/v3/contenttype/forms"/>
-  </ds:schemaRefs>
-</ds:datastoreItem>
-</file>
-
-<file path=customXml/itemProps3.xml><?xml version="1.0" encoding="utf-8"?>
 <ds:datastoreItem xmlns:ds="http://schemas.openxmlformats.org/officeDocument/2006/customXml" ds:itemID="{6B67ACAB-C3DC-429D-A23C-0723C084FEE5}">
   <ds:schemaRefs>
     <ds:schemaRef ds:uri="http://schemas.microsoft.com/office/2006/metadata/contentType"/>
@@ -28647,4 +28634,12 @@
     <ds:schemaRef ds:uri="http://schemas.microsoft.com/internal/obd"/>
   </ds:schemaRefs>
 </ds:datastoreItem>
+</file>
+
+<file path=customXml/itemProps3.xml><?xml version="1.0" encoding="utf-8"?>
+<ds:datastoreItem xmlns:ds="http://schemas.openxmlformats.org/officeDocument/2006/customXml" ds:itemID="{8A95DE24-D6C3-4A00-9085-D9594C193AE1}">
+  <ds:schemaRefs>
+    <ds:schemaRef ds:uri="http://schemas.microsoft.com/sharepoint/v3/contenttype/forms"/>
+  </ds:schemaRefs>
+</ds:datastoreItem>
 </file>